--- a/maquettageEtAutre/Presentation.pptx
+++ b/maquettageEtAutre/Presentation.pptx
@@ -12,9 +12,10 @@
     <p:sldId id="260" r:id="rId6"/>
     <p:sldId id="261" r:id="rId7"/>
     <p:sldId id="262" r:id="rId8"/>
-    <p:sldId id="264" r:id="rId9"/>
-    <p:sldId id="265" r:id="rId10"/>
-    <p:sldId id="266" r:id="rId11"/>
+    <p:sldId id="267" r:id="rId9"/>
+    <p:sldId id="264" r:id="rId10"/>
+    <p:sldId id="265" r:id="rId11"/>
+    <p:sldId id="266" r:id="rId12"/>
   </p:sldIdLst>
   <p:sldSz cx="12192000" cy="6858000"/>
   <p:notesSz cx="6858000" cy="9144000"/>
@@ -125,6 +126,8 @@
 <p1510:revInfo xmlns:a="http://schemas.openxmlformats.org/drawingml/2006/main" xmlns:r="http://schemas.openxmlformats.org/officeDocument/2006/relationships" xmlns:p1510="http://schemas.microsoft.com/office/powerpoint/2015/10/main">
   <p1510:revLst>
     <p1510:client id="{05187066-B885-40C7-9906-B3F7E39347EA}" v="2212" dt="2022-08-25T21:02:48.752"/>
+    <p1510:client id="{B88FA3BD-59EC-4115-99F2-4D1A943D5964}" v="5" dt="2022-08-25T21:12:18.170"/>
+    <p1510:client id="{F8506565-BE2A-4373-9367-51B35AE1A1CD}" v="80" dt="2022-08-26T07:54:42.901"/>
   </p1510:revLst>
 </p1510:revInfo>
 </file>
@@ -258,7 +261,7 @@
           <a:p>
             <a:fld id="{638941B0-F4D5-4460-BCAD-F7E2B41A8257}" type="datetimeFigureOut">
               <a:rPr lang="fr-FR" smtClean="0"/>
-              <a:t>25/08/2022</a:t>
+              <a:t>26/08/2022</a:t>
             </a:fld>
             <a:endParaRPr lang="fr-FR"/>
           </a:p>
@@ -426,7 +429,7 @@
           <a:p>
             <a:fld id="{638941B0-F4D5-4460-BCAD-F7E2B41A8257}" type="datetimeFigureOut">
               <a:rPr lang="fr-FR" smtClean="0"/>
-              <a:t>25/08/2022</a:t>
+              <a:t>26/08/2022</a:t>
             </a:fld>
             <a:endParaRPr lang="fr-FR"/>
           </a:p>
@@ -604,7 +607,7 @@
           <a:p>
             <a:fld id="{638941B0-F4D5-4460-BCAD-F7E2B41A8257}" type="datetimeFigureOut">
               <a:rPr lang="fr-FR" smtClean="0"/>
-              <a:t>25/08/2022</a:t>
+              <a:t>26/08/2022</a:t>
             </a:fld>
             <a:endParaRPr lang="fr-FR"/>
           </a:p>
@@ -772,7 +775,7 @@
           <a:p>
             <a:fld id="{638941B0-F4D5-4460-BCAD-F7E2B41A8257}" type="datetimeFigureOut">
               <a:rPr lang="fr-FR" smtClean="0"/>
-              <a:t>25/08/2022</a:t>
+              <a:t>26/08/2022</a:t>
             </a:fld>
             <a:endParaRPr lang="fr-FR"/>
           </a:p>
@@ -1017,7 +1020,7 @@
           <a:p>
             <a:fld id="{638941B0-F4D5-4460-BCAD-F7E2B41A8257}" type="datetimeFigureOut">
               <a:rPr lang="fr-FR" smtClean="0"/>
-              <a:t>25/08/2022</a:t>
+              <a:t>26/08/2022</a:t>
             </a:fld>
             <a:endParaRPr lang="fr-FR"/>
           </a:p>
@@ -1246,7 +1249,7 @@
           <a:p>
             <a:fld id="{638941B0-F4D5-4460-BCAD-F7E2B41A8257}" type="datetimeFigureOut">
               <a:rPr lang="fr-FR" smtClean="0"/>
-              <a:t>25/08/2022</a:t>
+              <a:t>26/08/2022</a:t>
             </a:fld>
             <a:endParaRPr lang="fr-FR"/>
           </a:p>
@@ -1610,7 +1613,7 @@
           <a:p>
             <a:fld id="{638941B0-F4D5-4460-BCAD-F7E2B41A8257}" type="datetimeFigureOut">
               <a:rPr lang="fr-FR" smtClean="0"/>
-              <a:t>25/08/2022</a:t>
+              <a:t>26/08/2022</a:t>
             </a:fld>
             <a:endParaRPr lang="fr-FR"/>
           </a:p>
@@ -1727,7 +1730,7 @@
           <a:p>
             <a:fld id="{638941B0-F4D5-4460-BCAD-F7E2B41A8257}" type="datetimeFigureOut">
               <a:rPr lang="fr-FR" smtClean="0"/>
-              <a:t>25/08/2022</a:t>
+              <a:t>26/08/2022</a:t>
             </a:fld>
             <a:endParaRPr lang="fr-FR"/>
           </a:p>
@@ -1822,7 +1825,7 @@
           <a:p>
             <a:fld id="{638941B0-F4D5-4460-BCAD-F7E2B41A8257}" type="datetimeFigureOut">
               <a:rPr lang="fr-FR" smtClean="0"/>
-              <a:t>25/08/2022</a:t>
+              <a:t>26/08/2022</a:t>
             </a:fld>
             <a:endParaRPr lang="fr-FR"/>
           </a:p>
@@ -2097,7 +2100,7 @@
           <a:p>
             <a:fld id="{638941B0-F4D5-4460-BCAD-F7E2B41A8257}" type="datetimeFigureOut">
               <a:rPr lang="fr-FR" smtClean="0"/>
-              <a:t>25/08/2022</a:t>
+              <a:t>26/08/2022</a:t>
             </a:fld>
             <a:endParaRPr lang="fr-FR"/>
           </a:p>
@@ -2349,7 +2352,7 @@
           <a:p>
             <a:fld id="{638941B0-F4D5-4460-BCAD-F7E2B41A8257}" type="datetimeFigureOut">
               <a:rPr lang="fr-FR" smtClean="0"/>
-              <a:t>25/08/2022</a:t>
+              <a:t>26/08/2022</a:t>
             </a:fld>
             <a:endParaRPr lang="fr-FR"/>
           </a:p>
@@ -2560,7 +2563,7 @@
           <a:p>
             <a:fld id="{638941B0-F4D5-4460-BCAD-F7E2B41A8257}" type="datetimeFigureOut">
               <a:rPr lang="fr-FR" smtClean="0"/>
-              <a:t>25/08/2022</a:t>
+              <a:t>26/08/2022</a:t>
             </a:fld>
             <a:endParaRPr lang="fr-FR"/>
           </a:p>
@@ -3388,6 +3391,270 @@
         <p:spPr>
           <a:xfrm>
             <a:off x="1395185" y="1531256"/>
+            <a:ext cx="9392555" cy="707886"/>
+          </a:xfrm>
+          <a:prstGeom prst="rect">
+            <a:avLst/>
+          </a:prstGeom>
+          <a:noFill/>
+        </p:spPr>
+        <p:txBody>
+          <a:bodyPr rot="0" spcFirstLastPara="0" vertOverflow="overflow" horzOverflow="overflow" vert="horz" wrap="square" lIns="91440" tIns="45720" rIns="91440" bIns="45720" numCol="1" spcCol="0" rtlCol="0" fromWordArt="0" anchor="t" anchorCtr="0" forceAA="0" compatLnSpc="1">
+            <a:prstTxWarp prst="textNoShape">
+              <a:avLst/>
+            </a:prstTxWarp>
+            <a:spAutoFit/>
+          </a:bodyPr>
+          <a:lstStyle/>
+          <a:p>
+            <a:r>
+              <a:rPr lang="en-US" sz="2000" dirty="0">
+                <a:solidFill>
+                  <a:srgbClr val="C8AD7F"/>
+                </a:solidFill>
+                <a:latin typeface="Century Gothic"/>
+                <a:cs typeface="Calibri"/>
+              </a:rPr>
+              <a:t>DIAGRAMME </a:t>
+            </a:r>
+            <a:endParaRPr lang="fr-FR" dirty="0"/>
+          </a:p>
+          <a:p>
+            <a:r>
+              <a:rPr lang="en-US" sz="2000" dirty="0">
+                <a:solidFill>
+                  <a:srgbClr val="C8AD7F"/>
+                </a:solidFill>
+                <a:latin typeface="Century Gothic"/>
+                <a:cs typeface="Calibri"/>
+              </a:rPr>
+              <a:t>D'ACTIVITES :</a:t>
+            </a:r>
+            <a:endParaRPr lang="en-US" dirty="0"/>
+          </a:p>
+        </p:txBody>
+      </p:sp>
+      <p:pic>
+        <p:nvPicPr>
+          <p:cNvPr id="8" name="Image 8">
+            <a:extLst>
+              <a:ext uri="{FF2B5EF4-FFF2-40B4-BE49-F238E27FC236}">
+                <a16:creationId xmlns:a16="http://schemas.microsoft.com/office/drawing/2014/main" id="{14596B2C-89A4-8131-B075-67C4ED87EDB5}"/>
+              </a:ext>
+            </a:extLst>
+          </p:cNvPr>
+          <p:cNvPicPr>
+            <a:picLocks noChangeAspect="1"/>
+          </p:cNvPicPr>
+          <p:nvPr/>
+        </p:nvPicPr>
+        <p:blipFill>
+          <a:blip r:embed="rId2"/>
+          <a:stretch>
+            <a:fillRect/>
+          </a:stretch>
+        </p:blipFill>
+        <p:spPr>
+          <a:xfrm>
+            <a:off x="3536043" y="-3263"/>
+            <a:ext cx="7160985" cy="6864524"/>
+          </a:xfrm>
+          <a:prstGeom prst="rect">
+            <a:avLst/>
+          </a:prstGeom>
+        </p:spPr>
+      </p:pic>
+    </p:spTree>
+    <p:extLst>
+      <p:ext uri="{BB962C8B-B14F-4D97-AF65-F5344CB8AC3E}">
+        <p14:creationId xmlns:p14="http://schemas.microsoft.com/office/powerpoint/2010/main" val="506746307"/>
+      </p:ext>
+    </p:extLst>
+  </p:cSld>
+  <p:clrMapOvr>
+    <a:masterClrMapping/>
+  </p:clrMapOvr>
+</p:sld>
+</file>
+
+<file path=ppt/slides/slide11.xml><?xml version="1.0" encoding="utf-8"?>
+<p:sld xmlns:a="http://schemas.openxmlformats.org/drawingml/2006/main" xmlns:r="http://schemas.openxmlformats.org/officeDocument/2006/relationships" xmlns:p="http://schemas.openxmlformats.org/presentationml/2006/main">
+  <p:cSld>
+    <p:spTree>
+      <p:nvGrpSpPr>
+        <p:cNvPr id="1" name=""/>
+        <p:cNvGrpSpPr/>
+        <p:nvPr/>
+      </p:nvGrpSpPr>
+      <p:grpSpPr>
+        <a:xfrm>
+          <a:off x="0" y="0"/>
+          <a:ext cx="0" cy="0"/>
+          <a:chOff x="0" y="0"/>
+          <a:chExt cx="0" cy="0"/>
+        </a:xfrm>
+      </p:grpSpPr>
+      <p:sp>
+        <p:nvSpPr>
+          <p:cNvPr id="4" name="Rectangle 3">
+            <a:extLst>
+              <a:ext uri="{FF2B5EF4-FFF2-40B4-BE49-F238E27FC236}">
+                <a16:creationId xmlns:a16="http://schemas.microsoft.com/office/drawing/2014/main" id="{503DCFF5-3A69-B92A-3150-9154261A758D}"/>
+              </a:ext>
+            </a:extLst>
+          </p:cNvPr>
+          <p:cNvSpPr/>
+          <p:nvPr/>
+        </p:nvSpPr>
+        <p:spPr>
+          <a:xfrm>
+            <a:off x="-3629" y="-3629"/>
+            <a:ext cx="12191999" cy="6857999"/>
+          </a:xfrm>
+          <a:prstGeom prst="rect">
+            <a:avLst/>
+          </a:prstGeom>
+          <a:solidFill>
+            <a:srgbClr val="00360D"/>
+          </a:solidFill>
+        </p:spPr>
+        <p:style>
+          <a:lnRef idx="2">
+            <a:schemeClr val="accent1">
+              <a:shade val="50000"/>
+            </a:schemeClr>
+          </a:lnRef>
+          <a:fillRef idx="1">
+            <a:schemeClr val="accent1"/>
+          </a:fillRef>
+          <a:effectRef idx="0">
+            <a:schemeClr val="accent1"/>
+          </a:effectRef>
+          <a:fontRef idx="minor">
+            <a:schemeClr val="lt1"/>
+          </a:fontRef>
+        </p:style>
+        <p:txBody>
+          <a:bodyPr rtlCol="0" anchor="ctr"/>
+          <a:lstStyle/>
+          <a:p>
+            <a:pPr algn="ctr"/>
+            <a:endParaRPr lang="fr-FR"/>
+          </a:p>
+        </p:txBody>
+      </p:sp>
+      <p:sp>
+        <p:nvSpPr>
+          <p:cNvPr id="7" name="ZoneTexte 6">
+            <a:extLst>
+              <a:ext uri="{FF2B5EF4-FFF2-40B4-BE49-F238E27FC236}">
+                <a16:creationId xmlns:a16="http://schemas.microsoft.com/office/drawing/2014/main" id="{10ED3C3B-CFFB-EDB5-1EAB-85A82A23A744}"/>
+              </a:ext>
+            </a:extLst>
+          </p:cNvPr>
+          <p:cNvSpPr txBox="1"/>
+          <p:nvPr/>
+        </p:nvSpPr>
+        <p:spPr>
+          <a:xfrm>
+            <a:off x="1152071" y="852712"/>
+            <a:ext cx="8917213" cy="523220"/>
+          </a:xfrm>
+          <a:prstGeom prst="rect">
+            <a:avLst/>
+          </a:prstGeom>
+          <a:noFill/>
+          <a:ln>
+            <a:noFill/>
+          </a:ln>
+        </p:spPr>
+        <p:txBody>
+          <a:bodyPr rot="0" spcFirstLastPara="0" vertOverflow="overflow" horzOverflow="overflow" vert="horz" wrap="square" lIns="91440" tIns="45720" rIns="91440" bIns="45720" numCol="1" spcCol="0" rtlCol="0" fromWordArt="0" anchor="t" anchorCtr="0" forceAA="0" compatLnSpc="1">
+            <a:prstTxWarp prst="textNoShape">
+              <a:avLst/>
+            </a:prstTxWarp>
+            <a:spAutoFit/>
+          </a:bodyPr>
+          <a:lstStyle/>
+          <a:p>
+            <a:r>
+              <a:rPr lang="fr-FR" sz="2800" b="1" dirty="0">
+                <a:solidFill>
+                  <a:srgbClr val="C8AD7F"/>
+                </a:solidFill>
+                <a:latin typeface="Century Gothic"/>
+                <a:cs typeface="Calibri"/>
+              </a:rPr>
+              <a:t>Annexes</a:t>
+            </a:r>
+          </a:p>
+        </p:txBody>
+      </p:sp>
+      <p:sp>
+        <p:nvSpPr>
+          <p:cNvPr id="5" name="ZoneTexte 4">
+            <a:extLst>
+              <a:ext uri="{FF2B5EF4-FFF2-40B4-BE49-F238E27FC236}">
+                <a16:creationId xmlns:a16="http://schemas.microsoft.com/office/drawing/2014/main" id="{1726B6D6-D877-F936-DDA5-8AE497A02F75}"/>
+              </a:ext>
+            </a:extLst>
+          </p:cNvPr>
+          <p:cNvSpPr txBox="1"/>
+          <p:nvPr/>
+        </p:nvSpPr>
+        <p:spPr>
+          <a:xfrm>
+            <a:off x="1150257" y="1485900"/>
+            <a:ext cx="7795984" cy="646331"/>
+          </a:xfrm>
+          <a:prstGeom prst="rect">
+            <a:avLst/>
+          </a:prstGeom>
+          <a:noFill/>
+        </p:spPr>
+        <p:txBody>
+          <a:bodyPr rot="0" spcFirstLastPara="0" vertOverflow="overflow" horzOverflow="overflow" vert="horz" wrap="square" lIns="91440" tIns="45720" rIns="91440" bIns="45720" numCol="1" spcCol="0" rtlCol="0" fromWordArt="0" anchor="t" anchorCtr="0" forceAA="0" compatLnSpc="1">
+            <a:prstTxWarp prst="textNoShape">
+              <a:avLst/>
+            </a:prstTxWarp>
+            <a:spAutoFit/>
+          </a:bodyPr>
+          <a:lstStyle/>
+          <a:p>
+            <a:endParaRPr lang="fr-FR" sz="2000" dirty="0">
+              <a:solidFill>
+                <a:schemeClr val="bg1"/>
+              </a:solidFill>
+              <a:latin typeface="Century Gothic"/>
+              <a:cs typeface="Calibri"/>
+            </a:endParaRPr>
+          </a:p>
+          <a:p>
+            <a:endParaRPr lang="fr-FR" sz="1600" dirty="0">
+              <a:solidFill>
+                <a:schemeClr val="bg1"/>
+              </a:solidFill>
+              <a:latin typeface="Century Gothic"/>
+              <a:cs typeface="Calibri"/>
+            </a:endParaRPr>
+          </a:p>
+        </p:txBody>
+      </p:sp>
+      <p:sp>
+        <p:nvSpPr>
+          <p:cNvPr id="6" name="ZoneTexte 5">
+            <a:extLst>
+              <a:ext uri="{FF2B5EF4-FFF2-40B4-BE49-F238E27FC236}">
+                <a16:creationId xmlns:a16="http://schemas.microsoft.com/office/drawing/2014/main" id="{C5857CFE-3E30-965B-5403-59DFA4200EAC}"/>
+              </a:ext>
+            </a:extLst>
+          </p:cNvPr>
+          <p:cNvSpPr txBox="1"/>
+          <p:nvPr/>
+        </p:nvSpPr>
+        <p:spPr>
+          <a:xfrm>
+            <a:off x="1395185" y="1531256"/>
             <a:ext cx="9392555" cy="400110"/>
           </a:xfrm>
           <a:prstGeom prst="rect">
@@ -4729,6 +4996,9 @@
           <a:solidFill>
             <a:srgbClr val="C8AD7F"/>
           </a:solidFill>
+          <a:ln>
+            <a:noFill/>
+          </a:ln>
         </p:spPr>
         <p:style>
           <a:lnRef idx="2">
@@ -6511,8 +6781,8 @@
         </p:nvSpPr>
         <p:spPr>
           <a:xfrm>
-            <a:off x="1152071" y="852712"/>
-            <a:ext cx="8917213" cy="523220"/>
+            <a:off x="1013525" y="1129803"/>
+            <a:ext cx="8917213" cy="707886"/>
           </a:xfrm>
           <a:prstGeom prst="rect">
             <a:avLst/>
@@ -6532,109 +6802,67 @@
           <a:lstStyle/>
           <a:p>
             <a:r>
-              <a:rPr lang="fr-FR" sz="2800" b="1" dirty="0">
+              <a:rPr lang="fr-FR" sz="4000" b="1" dirty="0">
                 <a:solidFill>
                   <a:srgbClr val="C8AD7F"/>
                 </a:solidFill>
                 <a:latin typeface="Century Gothic"/>
                 <a:cs typeface="Calibri"/>
               </a:rPr>
-              <a:t>Annexes</a:t>
-            </a:r>
-          </a:p>
-        </p:txBody>
-      </p:sp>
-      <p:sp>
-        <p:nvSpPr>
-          <p:cNvPr id="5" name="ZoneTexte 4">
+              <a:t>Merci de votre attention !</a:t>
+            </a:r>
+          </a:p>
+        </p:txBody>
+      </p:sp>
+      <p:sp>
+        <p:nvSpPr>
+          <p:cNvPr id="8" name="Parallélogramme 7">
             <a:extLst>
               <a:ext uri="{FF2B5EF4-FFF2-40B4-BE49-F238E27FC236}">
-                <a16:creationId xmlns:a16="http://schemas.microsoft.com/office/drawing/2014/main" id="{1726B6D6-D877-F936-DDA5-8AE497A02F75}"/>
+                <a16:creationId xmlns:a16="http://schemas.microsoft.com/office/drawing/2014/main" id="{CE644BA9-F486-840B-4406-1C4DA3707EA4}"/>
               </a:ext>
             </a:extLst>
           </p:cNvPr>
-          <p:cNvSpPr txBox="1"/>
+          <p:cNvSpPr/>
           <p:nvPr/>
         </p:nvSpPr>
         <p:spPr>
           <a:xfrm>
-            <a:off x="1150257" y="1485900"/>
-            <a:ext cx="7795984" cy="646331"/>
-          </a:xfrm>
-          <a:prstGeom prst="rect">
+            <a:off x="6674014" y="3175"/>
+            <a:ext cx="5515427" cy="6857997"/>
+          </a:xfrm>
+          <a:prstGeom prst="parallelogram">
             <a:avLst/>
           </a:prstGeom>
-          <a:noFill/>
-        </p:spPr>
-        <p:txBody>
-          <a:bodyPr rot="0" spcFirstLastPara="0" vertOverflow="overflow" horzOverflow="overflow" vert="horz" wrap="square" lIns="91440" tIns="45720" rIns="91440" bIns="45720" numCol="1" spcCol="0" rtlCol="0" fromWordArt="0" anchor="t" anchorCtr="0" forceAA="0" compatLnSpc="1">
-            <a:prstTxWarp prst="textNoShape">
-              <a:avLst/>
-            </a:prstTxWarp>
-            <a:spAutoFit/>
-          </a:bodyPr>
-          <a:lstStyle/>
-          <a:p>
-            <a:endParaRPr lang="fr-FR" sz="2000" dirty="0">
-              <a:solidFill>
-                <a:schemeClr val="bg1"/>
-              </a:solidFill>
-              <a:latin typeface="Century Gothic"/>
-              <a:cs typeface="Calibri"/>
-            </a:endParaRPr>
-          </a:p>
-          <a:p>
-            <a:endParaRPr lang="fr-FR" sz="1600" dirty="0">
-              <a:solidFill>
-                <a:schemeClr val="bg1"/>
-              </a:solidFill>
-              <a:latin typeface="Century Gothic"/>
-              <a:cs typeface="Calibri"/>
-            </a:endParaRPr>
-          </a:p>
-        </p:txBody>
-      </p:sp>
-      <p:sp>
-        <p:nvSpPr>
-          <p:cNvPr id="6" name="ZoneTexte 5">
-            <a:extLst>
-              <a:ext uri="{FF2B5EF4-FFF2-40B4-BE49-F238E27FC236}">
-                <a16:creationId xmlns:a16="http://schemas.microsoft.com/office/drawing/2014/main" id="{C5857CFE-3E30-965B-5403-59DFA4200EAC}"/>
-              </a:ext>
-            </a:extLst>
-          </p:cNvPr>
-          <p:cNvSpPr txBox="1"/>
-          <p:nvPr/>
-        </p:nvSpPr>
-        <p:spPr>
-          <a:xfrm>
-            <a:off x="1150256" y="1576613"/>
-            <a:ext cx="9392555" cy="400110"/>
-          </a:xfrm>
-          <a:prstGeom prst="rect">
-            <a:avLst/>
-          </a:prstGeom>
-          <a:noFill/>
-        </p:spPr>
-        <p:txBody>
-          <a:bodyPr rot="0" spcFirstLastPara="0" vertOverflow="overflow" horzOverflow="overflow" vert="horz" wrap="square" lIns="91440" tIns="45720" rIns="91440" bIns="45720" numCol="1" spcCol="0" rtlCol="0" fromWordArt="0" anchor="t" anchorCtr="0" forceAA="0" compatLnSpc="1">
-            <a:prstTxWarp prst="textNoShape">
-              <a:avLst/>
-            </a:prstTxWarp>
-            <a:spAutoFit/>
-          </a:bodyPr>
-          <a:lstStyle/>
-          <a:p>
-            <a:r>
-              <a:rPr lang="en-US" sz="2000" dirty="0">
-                <a:solidFill>
-                  <a:srgbClr val="C8AD7F"/>
-                </a:solidFill>
-                <a:latin typeface="Century Gothic"/>
-                <a:cs typeface="Calibri"/>
-              </a:rPr>
-              <a:t>MCD / MLD :</a:t>
-            </a:r>
+          <a:solidFill>
+            <a:srgbClr val="00290A"/>
+          </a:solidFill>
+          <a:ln>
+            <a:noFill/>
+          </a:ln>
+        </p:spPr>
+        <p:style>
+          <a:lnRef idx="2">
+            <a:schemeClr val="accent1">
+              <a:shade val="50000"/>
+            </a:schemeClr>
+          </a:lnRef>
+          <a:fillRef idx="1">
+            <a:schemeClr val="accent1"/>
+          </a:fillRef>
+          <a:effectRef idx="0">
+            <a:schemeClr val="accent1"/>
+          </a:effectRef>
+          <a:fontRef idx="minor">
+            <a:schemeClr val="lt1"/>
+          </a:fontRef>
+        </p:style>
+        <p:txBody>
+          <a:bodyPr rtlCol="0" anchor="ctr"/>
+          <a:lstStyle/>
+          <a:p>
+            <a:pPr algn="ctr"/>
+            <a:endParaRPr lang="fr-FR"/>
           </a:p>
         </p:txBody>
       </p:sp>
@@ -6643,7 +6871,7 @@
           <p:cNvPr id="2" name="Image 2">
             <a:extLst>
               <a:ext uri="{FF2B5EF4-FFF2-40B4-BE49-F238E27FC236}">
-                <a16:creationId xmlns:a16="http://schemas.microsoft.com/office/drawing/2014/main" id="{EB0013E3-01A9-58FB-7B0D-F58A5ED4A56C}"/>
+                <a16:creationId xmlns:a16="http://schemas.microsoft.com/office/drawing/2014/main" id="{233B0FFC-5C9B-20E5-3AA0-A8CE775343A5}"/>
               </a:ext>
             </a:extLst>
           </p:cNvPr>
@@ -6660,48 +6888,63 @@
         </p:blipFill>
         <p:spPr>
           <a:xfrm>
-            <a:off x="3372757" y="1315866"/>
-            <a:ext cx="8303985" cy="1940269"/>
+            <a:off x="1149389" y="5358974"/>
+            <a:ext cx="609833" cy="609833"/>
           </a:xfrm>
           <a:prstGeom prst="rect">
             <a:avLst/>
           </a:prstGeom>
         </p:spPr>
       </p:pic>
-      <p:pic>
-        <p:nvPicPr>
-          <p:cNvPr id="3" name="Image 7">
+      <p:sp>
+        <p:nvSpPr>
+          <p:cNvPr id="9" name="ZoneTexte 8">
             <a:extLst>
               <a:ext uri="{FF2B5EF4-FFF2-40B4-BE49-F238E27FC236}">
-                <a16:creationId xmlns:a16="http://schemas.microsoft.com/office/drawing/2014/main" id="{8C5722B4-02A1-7667-00D7-668CBF505B2F}"/>
+                <a16:creationId xmlns:a16="http://schemas.microsoft.com/office/drawing/2014/main" id="{4DAE7583-FC00-6E4B-B0E8-93CFC372E41A}"/>
               </a:ext>
             </a:extLst>
           </p:cNvPr>
-          <p:cNvPicPr>
-            <a:picLocks noChangeAspect="1"/>
-          </p:cNvPicPr>
+          <p:cNvSpPr txBox="1"/>
           <p:nvPr/>
-        </p:nvPicPr>
-        <p:blipFill>
-          <a:blip r:embed="rId3"/>
-          <a:stretch>
-            <a:fillRect/>
-          </a:stretch>
-        </p:blipFill>
-        <p:spPr>
-          <a:xfrm>
-            <a:off x="2955471" y="3478371"/>
-            <a:ext cx="8621485" cy="2903899"/>
+        </p:nvSpPr>
+        <p:spPr>
+          <a:xfrm>
+            <a:off x="1847207" y="5661632"/>
+            <a:ext cx="7795984" cy="400110"/>
           </a:xfrm>
           <a:prstGeom prst="rect">
             <a:avLst/>
           </a:prstGeom>
-        </p:spPr>
-      </p:pic>
+          <a:noFill/>
+        </p:spPr>
+        <p:txBody>
+          <a:bodyPr rot="0" spcFirstLastPara="0" vertOverflow="overflow" horzOverflow="overflow" vert="horz" wrap="square" lIns="91440" tIns="45720" rIns="91440" bIns="45720" numCol="1" spcCol="0" rtlCol="0" fromWordArt="0" anchor="t" anchorCtr="0" forceAA="0" compatLnSpc="1">
+            <a:prstTxWarp prst="textNoShape">
+              <a:avLst/>
+            </a:prstTxWarp>
+            <a:spAutoFit/>
+          </a:bodyPr>
+          <a:lstStyle/>
+          <a:p>
+            <a:r>
+              <a:rPr lang="en-US" sz="2000" dirty="0">
+                <a:solidFill>
+                  <a:srgbClr val="C8AD7F"/>
+                </a:solidFill>
+                <a:latin typeface="Century Gothic"/>
+                <a:cs typeface="Calibri"/>
+              </a:rPr>
+              <a:t>EQUIPE 1</a:t>
+            </a:r>
+            <a:endParaRPr lang="fr-FR" dirty="0"/>
+          </a:p>
+        </p:txBody>
+      </p:sp>
     </p:spTree>
     <p:extLst>
       <p:ext uri="{BB962C8B-B14F-4D97-AF65-F5344CB8AC3E}">
-        <p14:creationId xmlns:p14="http://schemas.microsoft.com/office/powerpoint/2010/main" val="4076153794"/>
+        <p14:creationId xmlns:p14="http://schemas.microsoft.com/office/powerpoint/2010/main" val="1465199926"/>
       </p:ext>
     </p:extLst>
   </p:cSld>
@@ -6888,8 +7131,8 @@
         </p:nvSpPr>
         <p:spPr>
           <a:xfrm>
-            <a:off x="1395185" y="1531256"/>
-            <a:ext cx="9392555" cy="707886"/>
+            <a:off x="1150256" y="1576613"/>
+            <a:ext cx="9392555" cy="400110"/>
           </a:xfrm>
           <a:prstGeom prst="rect">
             <a:avLst/>
@@ -6913,31 +7156,17 @@
                 <a:latin typeface="Century Gothic"/>
                 <a:cs typeface="Calibri"/>
               </a:rPr>
-              <a:t>DIAGRAMME </a:t>
-            </a:r>
-            <a:endParaRPr lang="fr-FR" dirty="0"/>
-          </a:p>
-          <a:p>
-            <a:r>
-              <a:rPr lang="en-US" sz="2000" dirty="0">
-                <a:solidFill>
-                  <a:srgbClr val="C8AD7F"/>
-                </a:solidFill>
-                <a:latin typeface="Century Gothic"/>
-                <a:cs typeface="Calibri"/>
-              </a:rPr>
-              <a:t>D'ACTIVITES :</a:t>
-            </a:r>
-            <a:endParaRPr lang="en-US" dirty="0"/>
+              <a:t>MCD / MLD :</a:t>
+            </a:r>
           </a:p>
         </p:txBody>
       </p:sp>
       <p:pic>
         <p:nvPicPr>
-          <p:cNvPr id="8" name="Image 8">
+          <p:cNvPr id="2" name="Image 2">
             <a:extLst>
               <a:ext uri="{FF2B5EF4-FFF2-40B4-BE49-F238E27FC236}">
-                <a16:creationId xmlns:a16="http://schemas.microsoft.com/office/drawing/2014/main" id="{14596B2C-89A4-8131-B075-67C4ED87EDB5}"/>
+                <a16:creationId xmlns:a16="http://schemas.microsoft.com/office/drawing/2014/main" id="{EB0013E3-01A9-58FB-7B0D-F58A5ED4A56C}"/>
               </a:ext>
             </a:extLst>
           </p:cNvPr>
@@ -6954,8 +7183,38 @@
         </p:blipFill>
         <p:spPr>
           <a:xfrm>
-            <a:off x="3536043" y="-3263"/>
-            <a:ext cx="7160985" cy="6864524"/>
+            <a:off x="3372757" y="1315866"/>
+            <a:ext cx="8303985" cy="1940269"/>
+          </a:xfrm>
+          <a:prstGeom prst="rect">
+            <a:avLst/>
+          </a:prstGeom>
+        </p:spPr>
+      </p:pic>
+      <p:pic>
+        <p:nvPicPr>
+          <p:cNvPr id="3" name="Image 7">
+            <a:extLst>
+              <a:ext uri="{FF2B5EF4-FFF2-40B4-BE49-F238E27FC236}">
+                <a16:creationId xmlns:a16="http://schemas.microsoft.com/office/drawing/2014/main" id="{8C5722B4-02A1-7667-00D7-668CBF505B2F}"/>
+              </a:ext>
+            </a:extLst>
+          </p:cNvPr>
+          <p:cNvPicPr>
+            <a:picLocks noChangeAspect="1"/>
+          </p:cNvPicPr>
+          <p:nvPr/>
+        </p:nvPicPr>
+        <p:blipFill>
+          <a:blip r:embed="rId3"/>
+          <a:stretch>
+            <a:fillRect/>
+          </a:stretch>
+        </p:blipFill>
+        <p:spPr>
+          <a:xfrm>
+            <a:off x="2955471" y="3478371"/>
+            <a:ext cx="8621485" cy="2903899"/>
           </a:xfrm>
           <a:prstGeom prst="rect">
             <a:avLst/>
@@ -6965,7 +7224,7 @@
     </p:spTree>
     <p:extLst>
       <p:ext uri="{BB962C8B-B14F-4D97-AF65-F5344CB8AC3E}">
-        <p14:creationId xmlns:p14="http://schemas.microsoft.com/office/powerpoint/2010/main" val="506746307"/>
+        <p14:creationId xmlns:p14="http://schemas.microsoft.com/office/powerpoint/2010/main" val="4076153794"/>
       </p:ext>
     </p:extLst>
   </p:cSld>
